--- a/FactSheet.pptx
+++ b/FactSheet.pptx
@@ -112,6 +112,11 @@
       </a:defRPr>
     </a:lvl9pPr>
   </p:defaultTextStyle>
+  <p:extLst>
+    <p:ext uri="{EFAFB233-063F-42B5-8137-9DF3F51BA10A}">
+      <p15:sldGuideLst xmlns:p15="http://schemas.microsoft.com/office/powerpoint/2012/main"/>
+    </p:ext>
+  </p:extLst>
 </p:presentation>
 </file>
 
@@ -262,7 +267,7 @@
           <a:p>
             <a:fld id="{940153A5-B7BB-EA44-92A0-157095F36AA1}" type="datetimeFigureOut">
               <a:rPr lang="en-US" smtClean="0"/>
-              <a:t>5/16/18</a:t>
+              <a:t>5/18/2018</a:t>
             </a:fld>
             <a:endParaRPr lang="en-US"/>
           </a:p>
@@ -460,7 +465,7 @@
           <a:p>
             <a:fld id="{940153A5-B7BB-EA44-92A0-157095F36AA1}" type="datetimeFigureOut">
               <a:rPr lang="en-US" smtClean="0"/>
-              <a:t>5/16/18</a:t>
+              <a:t>5/18/2018</a:t>
             </a:fld>
             <a:endParaRPr lang="en-US"/>
           </a:p>
@@ -668,7 +673,7 @@
           <a:p>
             <a:fld id="{940153A5-B7BB-EA44-92A0-157095F36AA1}" type="datetimeFigureOut">
               <a:rPr lang="en-US" smtClean="0"/>
-              <a:t>5/16/18</a:t>
+              <a:t>5/18/2018</a:t>
             </a:fld>
             <a:endParaRPr lang="en-US"/>
           </a:p>
@@ -866,7 +871,7 @@
           <a:p>
             <a:fld id="{940153A5-B7BB-EA44-92A0-157095F36AA1}" type="datetimeFigureOut">
               <a:rPr lang="en-US" smtClean="0"/>
-              <a:t>5/16/18</a:t>
+              <a:t>5/18/2018</a:t>
             </a:fld>
             <a:endParaRPr lang="en-US"/>
           </a:p>
@@ -1141,7 +1146,7 @@
           <a:p>
             <a:fld id="{940153A5-B7BB-EA44-92A0-157095F36AA1}" type="datetimeFigureOut">
               <a:rPr lang="en-US" smtClean="0"/>
-              <a:t>5/16/18</a:t>
+              <a:t>5/18/2018</a:t>
             </a:fld>
             <a:endParaRPr lang="en-US"/>
           </a:p>
@@ -1406,7 +1411,7 @@
           <a:p>
             <a:fld id="{940153A5-B7BB-EA44-92A0-157095F36AA1}" type="datetimeFigureOut">
               <a:rPr lang="en-US" smtClean="0"/>
-              <a:t>5/16/18</a:t>
+              <a:t>5/18/2018</a:t>
             </a:fld>
             <a:endParaRPr lang="en-US"/>
           </a:p>
@@ -1818,7 +1823,7 @@
           <a:p>
             <a:fld id="{940153A5-B7BB-EA44-92A0-157095F36AA1}" type="datetimeFigureOut">
               <a:rPr lang="en-US" smtClean="0"/>
-              <a:t>5/16/18</a:t>
+              <a:t>5/18/2018</a:t>
             </a:fld>
             <a:endParaRPr lang="en-US"/>
           </a:p>
@@ -1959,7 +1964,7 @@
           <a:p>
             <a:fld id="{940153A5-B7BB-EA44-92A0-157095F36AA1}" type="datetimeFigureOut">
               <a:rPr lang="en-US" smtClean="0"/>
-              <a:t>5/16/18</a:t>
+              <a:t>5/18/2018</a:t>
             </a:fld>
             <a:endParaRPr lang="en-US"/>
           </a:p>
@@ -2072,7 +2077,7 @@
           <a:p>
             <a:fld id="{940153A5-B7BB-EA44-92A0-157095F36AA1}" type="datetimeFigureOut">
               <a:rPr lang="en-US" smtClean="0"/>
-              <a:t>5/16/18</a:t>
+              <a:t>5/18/2018</a:t>
             </a:fld>
             <a:endParaRPr lang="en-US"/>
           </a:p>
@@ -2383,7 +2388,7 @@
           <a:p>
             <a:fld id="{940153A5-B7BB-EA44-92A0-157095F36AA1}" type="datetimeFigureOut">
               <a:rPr lang="en-US" smtClean="0"/>
-              <a:t>5/16/18</a:t>
+              <a:t>5/18/2018</a:t>
             </a:fld>
             <a:endParaRPr lang="en-US"/>
           </a:p>
@@ -2671,7 +2676,7 @@
           <a:p>
             <a:fld id="{940153A5-B7BB-EA44-92A0-157095F36AA1}" type="datetimeFigureOut">
               <a:rPr lang="en-US" smtClean="0"/>
-              <a:t>5/16/18</a:t>
+              <a:t>5/18/2018</a:t>
             </a:fld>
             <a:endParaRPr lang="en-US"/>
           </a:p>
@@ -2912,7 +2917,7 @@
           <a:p>
             <a:fld id="{940153A5-B7BB-EA44-92A0-157095F36AA1}" type="datetimeFigureOut">
               <a:rPr lang="en-US" smtClean="0"/>
-              <a:t>5/16/18</a:t>
+              <a:t>5/18/2018</a:t>
             </a:fld>
             <a:endParaRPr lang="en-US"/>
           </a:p>
@@ -3379,9 +3384,10 @@
           <a:lstStyle/>
           <a:p>
             <a:r>
-              <a:rPr lang="en-US" dirty="0"/>
-              <a:t>&lt;&lt;Project Title&gt;&gt;</a:t>
-            </a:r>
+              <a:rPr lang="en-US" dirty="0" smtClean="0"/>
+              <a:t>Failback</a:t>
+            </a:r>
+            <a:endParaRPr lang="en-US" dirty="0"/>
           </a:p>
         </p:txBody>
       </p:sp>
@@ -3498,8 +3504,35 @@
               <a:buNone/>
             </a:pPr>
             <a:r>
-              <a:rPr lang="en-US" dirty="0"/>
-              <a:t>&lt;&lt;names of the people that worked on the project, if your pet collaborated you can add him/her as well&gt;&gt;</a:t>
+              <a:rPr lang="en-US" dirty="0" smtClean="0"/>
+              <a:t>Tom Van Cauwenberghe</a:t>
+            </a:r>
+          </a:p>
+          <a:p>
+            <a:pPr marL="0" indent="0">
+              <a:buNone/>
+            </a:pPr>
+            <a:r>
+              <a:rPr lang="en-US" dirty="0" smtClean="0"/>
+              <a:t>Tom Janssens</a:t>
+            </a:r>
+          </a:p>
+          <a:p>
+            <a:pPr marL="0" indent="0">
+              <a:buNone/>
+            </a:pPr>
+            <a:r>
+              <a:rPr lang="en-US" dirty="0" smtClean="0"/>
+              <a:t>Glenn Van Weyenberg</a:t>
+            </a:r>
+          </a:p>
+          <a:p>
+            <a:pPr marL="0" indent="0">
+              <a:buNone/>
+            </a:pPr>
+            <a:r>
+              <a:rPr lang="en-US" dirty="0" smtClean="0"/>
+              <a:t>Tim Pauwels</a:t>
             </a:r>
           </a:p>
         </p:txBody>
@@ -3821,9 +3854,27 @@
               <a:buNone/>
             </a:pPr>
             <a:r>
-              <a:rPr lang="en-US" dirty="0"/>
-              <a:t>&lt;&lt;A momentary lapse of reason? Pregnancy Amnesia? You surely remember why you wanted to do this project.&gt;&gt;</a:t>
-            </a:r>
+              <a:rPr lang="en-US" dirty="0" smtClean="0"/>
+              <a:t>A customer application we’ve been working on has a heavy dependency on an external web service that is very unreliable.</a:t>
+            </a:r>
+          </a:p>
+          <a:p>
+            <a:pPr marL="0" indent="0">
+              <a:buFont typeface="Arial" panose="020B0604020202020204" pitchFamily="34" charset="0"/>
+              <a:buNone/>
+            </a:pPr>
+            <a:endParaRPr lang="en-US" dirty="0"/>
+          </a:p>
+          <a:p>
+            <a:pPr marL="0" indent="0">
+              <a:buFont typeface="Arial" panose="020B0604020202020204" pitchFamily="34" charset="0"/>
+              <a:buNone/>
+            </a:pPr>
+            <a:r>
+              <a:rPr lang="en-US" dirty="0" smtClean="0"/>
+              <a:t>Outage of this dependency is sometimes scheduled, but most of the times it is unexpected. This leads to overhead.</a:t>
+            </a:r>
+            <a:endParaRPr lang="en-US" dirty="0"/>
           </a:p>
         </p:txBody>
       </p:sp>
@@ -3910,9 +3961,26 @@
               <a:buNone/>
             </a:pPr>
             <a:r>
-              <a:rPr lang="en-US" dirty="0"/>
-              <a:t>&lt;&lt;describe what you initially set out to do&gt;&gt;</a:t>
-            </a:r>
+              <a:rPr lang="en-US" dirty="0" smtClean="0"/>
+              <a:t>Create an infrastructure that allows for automatic fallback to cached responses. </a:t>
+            </a:r>
+            <a:endParaRPr lang="en-US" dirty="0"/>
+          </a:p>
+          <a:p>
+            <a:pPr marL="0" indent="0">
+              <a:buNone/>
+            </a:pPr>
+            <a:endParaRPr lang="en-US" dirty="0" smtClean="0"/>
+          </a:p>
+          <a:p>
+            <a:pPr marL="0" indent="0">
+              <a:buNone/>
+            </a:pPr>
+            <a:r>
+              <a:rPr lang="en-US" dirty="0" smtClean="0"/>
+              <a:t>In the process we would use of several technologies we haven’t had a chance to explore in our current projects.</a:t>
+            </a:r>
+            <a:endParaRPr lang="en-US" dirty="0"/>
           </a:p>
         </p:txBody>
       </p:sp>
@@ -4025,13 +4093,84 @@
           <a:bodyPr/>
           <a:lstStyle/>
           <a:p>
-            <a:pPr marL="0" indent="0">
-              <a:buNone/>
+            <a:pPr>
+              <a:buFontTx/>
+              <a:buChar char="-"/>
             </a:pPr>
             <a:r>
-              <a:rPr lang="en-US" dirty="0"/>
-              <a:t>&lt;&lt;Even if you didn’t achieve anything, at least you learned something, tell us…&gt;&gt;</a:t>
-            </a:r>
+              <a:rPr lang="en-US" dirty="0" err="1" smtClean="0"/>
+              <a:t>MediatR</a:t>
+            </a:r>
+            <a:r>
+              <a:rPr lang="en-US" dirty="0" smtClean="0"/>
+              <a:t> requests are generically being cached in </a:t>
+            </a:r>
+            <a:r>
+              <a:rPr lang="en-US" dirty="0" err="1" smtClean="0"/>
+              <a:t>Redis</a:t>
+            </a:r>
+            <a:endParaRPr lang="en-US" dirty="0" smtClean="0"/>
+          </a:p>
+          <a:p>
+            <a:pPr>
+              <a:buFontTx/>
+              <a:buChar char="-"/>
+            </a:pPr>
+            <a:r>
+              <a:rPr lang="en-US" dirty="0" smtClean="0"/>
+              <a:t>Every type of request has a Polly fallback policy that returns results from a </a:t>
+            </a:r>
+            <a:r>
+              <a:rPr lang="en-US" dirty="0" err="1" smtClean="0"/>
+              <a:t>Redis</a:t>
+            </a:r>
+            <a:r>
+              <a:rPr lang="en-US" dirty="0" smtClean="0"/>
+              <a:t>-based caching store </a:t>
+            </a:r>
+            <a:r>
+              <a:rPr lang="en-US" dirty="0" smtClean="0"/>
+              <a:t>when the </a:t>
+            </a:r>
+            <a:r>
+              <a:rPr lang="en-US" dirty="0" smtClean="0"/>
+              <a:t>depende</a:t>
+            </a:r>
+            <a:r>
+              <a:rPr lang="en-US" dirty="0" smtClean="0"/>
+              <a:t>ncy fails. </a:t>
+            </a:r>
+          </a:p>
+          <a:p>
+            <a:pPr>
+              <a:buFontTx/>
+              <a:buChar char="-"/>
+            </a:pPr>
+            <a:r>
+              <a:rPr lang="en-US" dirty="0" smtClean="0"/>
+              <a:t>The Polly policy is set to break the circuit after a number of failures, to speed up response times when a dependency is unavailable.</a:t>
+            </a:r>
+          </a:p>
+          <a:p>
+            <a:pPr>
+              <a:buFontTx/>
+              <a:buChar char="-"/>
+            </a:pPr>
+            <a:r>
+              <a:rPr lang="en-US" dirty="0" smtClean="0"/>
+              <a:t>We have a dashboard to monitor the state of the circuit breaker.</a:t>
+            </a:r>
+          </a:p>
+          <a:p>
+            <a:pPr>
+              <a:buFontTx/>
+              <a:buChar char="-"/>
+            </a:pPr>
+            <a:r>
+              <a:rPr lang="en-US" dirty="0" smtClean="0"/>
+              <a:t>Tetris</a:t>
+            </a:r>
+            <a:endParaRPr lang="en-US" dirty="0"/>
           </a:p>
         </p:txBody>
       </p:sp>
@@ -4144,13 +4283,81 @@
           <a:bodyPr/>
           <a:lstStyle/>
           <a:p>
+            <a:pPr>
+              <a:buFontTx/>
+              <a:buChar char="-"/>
+            </a:pPr>
+            <a:r>
+              <a:rPr lang="en-US" dirty="0" smtClean="0"/>
+              <a:t>We have a great logo.</a:t>
+            </a:r>
+          </a:p>
+          <a:p>
+            <a:pPr>
+              <a:buFontTx/>
+              <a:buChar char="-"/>
+            </a:pPr>
+            <a:r>
+              <a:rPr lang="en-US" dirty="0" smtClean="0"/>
+              <a:t>The team kick-off</a:t>
+            </a:r>
+            <a:endParaRPr lang="en-US" dirty="0" smtClean="0"/>
+          </a:p>
+          <a:p>
+            <a:pPr>
+              <a:buFontTx/>
+              <a:buChar char="-"/>
+            </a:pPr>
+            <a:r>
+              <a:rPr lang="en-US" dirty="0" smtClean="0"/>
+              <a:t>Using Polly.</a:t>
+            </a:r>
+          </a:p>
+          <a:p>
+            <a:pPr>
+              <a:buFontTx/>
+              <a:buChar char="-"/>
+            </a:pPr>
+            <a:r>
+              <a:rPr lang="en-US" dirty="0" err="1" smtClean="0"/>
+              <a:t>MediatR</a:t>
+            </a:r>
+            <a:r>
+              <a:rPr lang="en-US" dirty="0" smtClean="0"/>
+              <a:t> + Polly to create a caching decorator.</a:t>
+            </a:r>
+          </a:p>
+          <a:p>
+            <a:pPr>
+              <a:buFontTx/>
+              <a:buChar char="-"/>
+            </a:pPr>
+            <a:r>
+              <a:rPr lang="en-US" dirty="0" err="1" smtClean="0"/>
+              <a:t>SignalR</a:t>
+            </a:r>
+            <a:r>
+              <a:rPr lang="en-US" dirty="0" smtClean="0"/>
+              <a:t> to create a real-time dashboard.</a:t>
+            </a:r>
+            <a:endParaRPr lang="en-US" dirty="0" smtClean="0"/>
+          </a:p>
+          <a:p>
+            <a:pPr>
+              <a:buFontTx/>
+              <a:buChar char="-"/>
+            </a:pPr>
+            <a:r>
+              <a:rPr lang="en-US" dirty="0" smtClean="0"/>
+              <a:t>Tetris.</a:t>
+            </a:r>
+            <a:endParaRPr lang="en-US" dirty="0" smtClean="0"/>
+          </a:p>
+          <a:p>
             <a:pPr marL="0" indent="0">
               <a:buNone/>
             </a:pPr>
-            <a:r>
-              <a:rPr lang="en-US" dirty="0"/>
-              <a:t>&lt;&lt;Besides the great food, the good vibe, you surely had something that worked out really nice ?&gt;&gt;</a:t>
-            </a:r>
+            <a:endParaRPr lang="en-US" dirty="0"/>
           </a:p>
         </p:txBody>
       </p:sp>
@@ -4263,12 +4470,50 @@
           <a:bodyPr/>
           <a:lstStyle/>
           <a:p>
-            <a:pPr marL="0" indent="0">
-              <a:buNone/>
+            <a:pPr>
+              <a:buFontTx/>
+              <a:buChar char="-"/>
             </a:pPr>
             <a:r>
-              <a:rPr lang="en-US" dirty="0"/>
-              <a:t>&lt;&lt;Without failure you can’t learn anything, which road shouldn’t we travel according to your project?&gt;&gt;</a:t>
+              <a:rPr lang="en-US" dirty="0" smtClean="0"/>
+              <a:t>Setting up an automatic app service deployment linked to </a:t>
+            </a:r>
+            <a:r>
+              <a:rPr lang="en-US" dirty="0" err="1" smtClean="0"/>
+              <a:t>github</a:t>
+            </a:r>
+            <a:r>
+              <a:rPr lang="en-US" dirty="0" smtClean="0"/>
+              <a:t>.</a:t>
+            </a:r>
+          </a:p>
+          <a:p>
+            <a:pPr>
+              <a:buFontTx/>
+              <a:buChar char="-"/>
+            </a:pPr>
+            <a:r>
+              <a:rPr lang="en-US" dirty="0" smtClean="0"/>
+              <a:t>Generics and </a:t>
+            </a:r>
+            <a:r>
+              <a:rPr lang="en-US" dirty="0" err="1" smtClean="0"/>
+              <a:t>PostSharp</a:t>
+            </a:r>
+            <a:r>
+              <a:rPr lang="en-US" dirty="0" smtClean="0"/>
+              <a:t> aspects don’t mix.</a:t>
+            </a:r>
+            <a:endParaRPr lang="en-US" dirty="0"/>
+          </a:p>
+          <a:p>
+            <a:pPr>
+              <a:buFontTx/>
+              <a:buChar char="-"/>
+            </a:pPr>
+            <a:r>
+              <a:rPr lang="en-US" dirty="0" smtClean="0"/>
+              <a:t>Not all team members had the proper tools.</a:t>
             </a:r>
           </a:p>
         </p:txBody>
@@ -4390,13 +4635,49 @@
           <a:bodyPr/>
           <a:lstStyle/>
           <a:p>
-            <a:pPr marL="0" indent="0">
-              <a:buNone/>
+            <a:pPr>
+              <a:buFontTx/>
+              <a:buChar char="-"/>
             </a:pPr>
             <a:r>
-              <a:rPr lang="en-US" dirty="0"/>
-              <a:t>&lt;&lt;The management has to stay happy also, if we can convince them of another exploration day, it’s with this slide…&gt;&gt;</a:t>
-            </a:r>
+              <a:rPr lang="en-US" dirty="0" smtClean="0"/>
+              <a:t>Polly (+ </a:t>
+            </a:r>
+            <a:r>
+              <a:rPr lang="en-US" dirty="0" err="1" smtClean="0"/>
+              <a:t>MediatR</a:t>
+            </a:r>
+            <a:r>
+              <a:rPr lang="en-US" dirty="0" smtClean="0"/>
+              <a:t>) to create more resilient applications</a:t>
+            </a:r>
+          </a:p>
+          <a:p>
+            <a:pPr>
+              <a:buFontTx/>
+              <a:buChar char="-"/>
+            </a:pPr>
+            <a:r>
+              <a:rPr lang="en-US" dirty="0" smtClean="0"/>
+              <a:t>Feature toggle as a service can give an easy way to have fine-grained control over who can use certain features and when.</a:t>
+            </a:r>
+          </a:p>
+          <a:p>
+            <a:pPr>
+              <a:buFontTx/>
+              <a:buChar char="-"/>
+            </a:pPr>
+            <a:r>
+              <a:rPr lang="en-US" dirty="0" smtClean="0"/>
+              <a:t>Logo design.</a:t>
+            </a:r>
+          </a:p>
+          <a:p>
+            <a:pPr>
+              <a:buFontTx/>
+              <a:buChar char="-"/>
+            </a:pPr>
+            <a:endParaRPr lang="en-US" dirty="0"/>
           </a:p>
         </p:txBody>
       </p:sp>
@@ -4509,18 +4790,50 @@
           <a:bodyPr/>
           <a:lstStyle/>
           <a:p>
-            <a:pPr marL="0" indent="0">
-              <a:buNone/>
+            <a:pPr>
+              <a:buFontTx/>
+              <a:buChar char="-"/>
             </a:pPr>
             <a:r>
-              <a:rPr lang="en-US" dirty="0"/>
-              <a:t>&lt;&lt;Is this the end of this project ? Or am I a real entrepreneur and do I continue to work </a:t>
-            </a:r>
-            <a:r>
-              <a:rPr lang="en-US"/>
-              <a:t>on this ?&gt;&gt;</a:t>
-            </a:r>
-            <a:endParaRPr lang="en-US" dirty="0"/>
+              <a:rPr lang="en-US" dirty="0" smtClean="0"/>
+              <a:t>Polly + </a:t>
+            </a:r>
+            <a:r>
+              <a:rPr lang="en-US" dirty="0" err="1" smtClean="0"/>
+              <a:t>MediatR</a:t>
+            </a:r>
+            <a:r>
+              <a:rPr lang="en-US" dirty="0" smtClean="0"/>
+              <a:t> to store and replay commands.</a:t>
+            </a:r>
+          </a:p>
+          <a:p>
+            <a:pPr>
+              <a:buFontTx/>
+              <a:buChar char="-"/>
+            </a:pPr>
+            <a:r>
+              <a:rPr lang="en-US" dirty="0" smtClean="0"/>
+              <a:t>Create a package to easily integrate this into other projects.</a:t>
+            </a:r>
+          </a:p>
+          <a:p>
+            <a:pPr>
+              <a:buFontTx/>
+              <a:buChar char="-"/>
+            </a:pPr>
+            <a:r>
+              <a:rPr lang="en-US" dirty="0" smtClean="0"/>
+              <a:t>Make an aspect that doesn’t depend on </a:t>
+            </a:r>
+            <a:r>
+              <a:rPr lang="en-US" dirty="0" err="1" smtClean="0"/>
+              <a:t>MediatR</a:t>
+            </a:r>
+            <a:r>
+              <a:rPr lang="en-US" dirty="0" smtClean="0"/>
+              <a:t>.</a:t>
+            </a:r>
           </a:p>
         </p:txBody>
       </p:sp>

--- a/FactSheet.pptx
+++ b/FactSheet.pptx
@@ -6,14 +6,15 @@
   </p:sldMasterIdLst>
   <p:sldIdLst>
     <p:sldId id="256" r:id="rId2"/>
-    <p:sldId id="257" r:id="rId3"/>
-    <p:sldId id="263" r:id="rId4"/>
-    <p:sldId id="258" r:id="rId5"/>
-    <p:sldId id="259" r:id="rId6"/>
-    <p:sldId id="260" r:id="rId7"/>
-    <p:sldId id="261" r:id="rId8"/>
-    <p:sldId id="262" r:id="rId9"/>
-    <p:sldId id="264" r:id="rId10"/>
+    <p:sldId id="265" r:id="rId3"/>
+    <p:sldId id="257" r:id="rId4"/>
+    <p:sldId id="263" r:id="rId5"/>
+    <p:sldId id="258" r:id="rId6"/>
+    <p:sldId id="259" r:id="rId7"/>
+    <p:sldId id="260" r:id="rId8"/>
+    <p:sldId id="261" r:id="rId9"/>
+    <p:sldId id="262" r:id="rId10"/>
+    <p:sldId id="264" r:id="rId11"/>
   </p:sldIdLst>
   <p:sldSz cx="12192000" cy="6858000"/>
   <p:notesSz cx="6858000" cy="9144000"/>
@@ -2753,9 +2754,19 @@
 <p:sldMaster xmlns:a="http://schemas.openxmlformats.org/drawingml/2006/main" xmlns:r="http://schemas.openxmlformats.org/officeDocument/2006/relationships" xmlns:p="http://schemas.openxmlformats.org/presentationml/2006/main">
   <p:cSld>
     <p:bg>
-      <p:bgRef idx="1001">
-        <a:schemeClr val="bg1"/>
-      </p:bgRef>
+      <p:bgPr>
+        <a:blipFill dpi="0" rotWithShape="1">
+          <a:blip r:embed="rId13">
+            <a:alphaModFix amt="11000"/>
+            <a:lum/>
+          </a:blip>
+          <a:srcRect/>
+          <a:stretch>
+            <a:fillRect t="-13000" b="-13000"/>
+          </a:stretch>
+        </a:blipFill>
+        <a:effectLst/>
+      </p:bgPr>
     </p:bg>
     <p:spTree>
       <p:nvGrpSpPr>
@@ -3378,47 +3389,59 @@
             <p:ph type="subTitle" idx="1"/>
           </p:nvPr>
         </p:nvSpPr>
-        <p:spPr/>
-        <p:txBody>
-          <a:bodyPr/>
-          <a:lstStyle/>
-          <a:p>
-            <a:r>
-              <a:rPr lang="en-US" dirty="0" smtClean="0"/>
-              <a:t>Failback</a:t>
-            </a:r>
+        <p:spPr>
+          <a:xfrm>
+            <a:off x="1524000" y="3602038"/>
+            <a:ext cx="4830389" cy="698676"/>
+          </a:xfrm>
+        </p:spPr>
+        <p:txBody>
+          <a:bodyPr/>
+          <a:lstStyle/>
+          <a:p>
             <a:endParaRPr lang="en-US" dirty="0"/>
           </a:p>
         </p:txBody>
       </p:sp>
       <p:pic>
         <p:nvPicPr>
-          <p:cNvPr id="4" name="Picture 3">
-            <a:extLst>
-              <a:ext uri="{FF2B5EF4-FFF2-40B4-BE49-F238E27FC236}">
-                <a16:creationId xmlns:a16="http://schemas.microsoft.com/office/drawing/2014/main" id="{14633043-9789-AE4A-8FAC-133DF762094B}"/>
-              </a:ext>
-            </a:extLst>
-          </p:cNvPr>
+          <p:cNvPr id="1026" name="Picture 2" descr="logo"/>
           <p:cNvPicPr>
-            <a:picLocks noChangeAspect="1"/>
+            <a:picLocks noChangeAspect="1" noChangeArrowheads="1"/>
           </p:cNvPicPr>
           <p:nvPr/>
         </p:nvPicPr>
         <p:blipFill>
-          <a:blip r:embed="rId2"/>
+          <a:blip r:embed="rId2">
+            <a:extLst>
+              <a:ext uri="{28A0092B-C50C-407E-A947-70E740481C1C}">
+                <a14:useLocalDpi xmlns:a14="http://schemas.microsoft.com/office/drawing/2010/main" val="0"/>
+              </a:ext>
+            </a:extLst>
+          </a:blip>
+          <a:srcRect/>
           <a:stretch>
             <a:fillRect/>
           </a:stretch>
         </p:blipFill>
-        <p:spPr>
+        <p:spPr bwMode="auto">
           <a:xfrm>
-            <a:off x="10244690" y="5517579"/>
-            <a:ext cx="1689100" cy="1206500"/>
+            <a:off x="2464667" y="3228971"/>
+            <a:ext cx="7492134" cy="2143485"/>
           </a:xfrm>
           <a:prstGeom prst="rect">
             <a:avLst/>
           </a:prstGeom>
+          <a:noFill/>
+          <a:extLst>
+            <a:ext uri="{909E8E84-426E-40DD-AFC4-6F175D3DCCD1}">
+              <a14:hiddenFill xmlns:a14="http://schemas.microsoft.com/office/drawing/2010/main">
+                <a:solidFill>
+                  <a:srgbClr val="FFFFFF"/>
+                </a:solidFill>
+              </a14:hiddenFill>
+            </a:ext>
+          </a:extLst>
         </p:spPr>
       </p:pic>
     </p:spTree>
@@ -3431,6 +3454,187 @@
   <p:clrMapOvr>
     <a:masterClrMapping/>
   </p:clrMapOvr>
+  <p:timing>
+    <p:tnLst>
+      <p:par>
+        <p:cTn id="1" dur="indefinite" restart="never" nodeType="tmRoot"/>
+      </p:par>
+    </p:tnLst>
+  </p:timing>
+</p:sld>
+</file>
+
+<file path=ppt/slides/slide10.xml><?xml version="1.0" encoding="utf-8"?>
+<p:sld xmlns:a="http://schemas.openxmlformats.org/drawingml/2006/main" xmlns:r="http://schemas.openxmlformats.org/officeDocument/2006/relationships" xmlns:p="http://schemas.openxmlformats.org/presentationml/2006/main">
+  <p:cSld>
+    <p:spTree>
+      <p:nvGrpSpPr>
+        <p:cNvPr id="1" name=""/>
+        <p:cNvGrpSpPr/>
+        <p:nvPr/>
+      </p:nvGrpSpPr>
+      <p:grpSpPr>
+        <a:xfrm>
+          <a:off x="0" y="0"/>
+          <a:ext cx="0" cy="0"/>
+          <a:chOff x="0" y="0"/>
+          <a:chExt cx="0" cy="0"/>
+        </a:xfrm>
+      </p:grpSpPr>
+      <p:sp>
+        <p:nvSpPr>
+          <p:cNvPr id="2" name="Title 1">
+            <a:extLst>
+              <a:ext uri="{FF2B5EF4-FFF2-40B4-BE49-F238E27FC236}">
+                <a16:creationId xmlns:a16="http://schemas.microsoft.com/office/drawing/2014/main" id="{B360B098-3B7B-BC42-BD97-0A9F2459EA2D}"/>
+              </a:ext>
+            </a:extLst>
+          </p:cNvPr>
+          <p:cNvSpPr>
+            <a:spLocks noGrp="1"/>
+          </p:cNvSpPr>
+          <p:nvPr>
+            <p:ph type="title"/>
+          </p:nvPr>
+        </p:nvSpPr>
+        <p:spPr/>
+        <p:txBody>
+          <a:bodyPr/>
+          <a:lstStyle/>
+          <a:p>
+            <a:r>
+              <a:rPr lang="en-US" dirty="0"/>
+              <a:t>What’s next?</a:t>
+            </a:r>
+          </a:p>
+        </p:txBody>
+      </p:sp>
+      <p:sp>
+        <p:nvSpPr>
+          <p:cNvPr id="3" name="Content Placeholder 2">
+            <a:extLst>
+              <a:ext uri="{FF2B5EF4-FFF2-40B4-BE49-F238E27FC236}">
+                <a16:creationId xmlns:a16="http://schemas.microsoft.com/office/drawing/2014/main" id="{5EF7D05B-6B9B-1248-B5D2-13BA95C18A7F}"/>
+              </a:ext>
+            </a:extLst>
+          </p:cNvPr>
+          <p:cNvSpPr>
+            <a:spLocks noGrp="1"/>
+          </p:cNvSpPr>
+          <p:nvPr>
+            <p:ph idx="1"/>
+          </p:nvPr>
+        </p:nvSpPr>
+        <p:spPr/>
+        <p:txBody>
+          <a:bodyPr/>
+          <a:lstStyle/>
+          <a:p>
+            <a:pPr>
+              <a:buFontTx/>
+              <a:buChar char="-"/>
+            </a:pPr>
+            <a:r>
+              <a:rPr lang="en-US" dirty="0" smtClean="0"/>
+              <a:t>Polly + </a:t>
+            </a:r>
+            <a:r>
+              <a:rPr lang="en-US" dirty="0" err="1" smtClean="0"/>
+              <a:t>MediatR</a:t>
+            </a:r>
+            <a:r>
+              <a:rPr lang="en-US" dirty="0" smtClean="0"/>
+              <a:t> to store and replay commands.</a:t>
+            </a:r>
+          </a:p>
+          <a:p>
+            <a:pPr>
+              <a:buFontTx/>
+              <a:buChar char="-"/>
+            </a:pPr>
+            <a:r>
+              <a:rPr lang="en-US" dirty="0" smtClean="0"/>
+              <a:t>Create a package to easily integrate this into other projects.</a:t>
+            </a:r>
+          </a:p>
+          <a:p>
+            <a:pPr>
+              <a:buFontTx/>
+              <a:buChar char="-"/>
+            </a:pPr>
+            <a:r>
+              <a:rPr lang="en-US" dirty="0" smtClean="0"/>
+              <a:t>Make an aspect that doesn’t depend on </a:t>
+            </a:r>
+            <a:r>
+              <a:rPr lang="en-US" dirty="0" err="1" smtClean="0"/>
+              <a:t>MediatR</a:t>
+            </a:r>
+            <a:r>
+              <a:rPr lang="en-US" dirty="0" smtClean="0"/>
+              <a:t>.</a:t>
+            </a:r>
+          </a:p>
+        </p:txBody>
+      </p:sp>
+      <p:pic>
+        <p:nvPicPr>
+          <p:cNvPr id="5" name="Picture 2" descr="logo"/>
+          <p:cNvPicPr>
+            <a:picLocks noChangeAspect="1" noChangeArrowheads="1"/>
+          </p:cNvPicPr>
+          <p:nvPr/>
+        </p:nvPicPr>
+        <p:blipFill>
+          <a:blip r:embed="rId2">
+            <a:extLst>
+              <a:ext uri="{28A0092B-C50C-407E-A947-70E740481C1C}">
+                <a14:useLocalDpi xmlns:a14="http://schemas.microsoft.com/office/drawing/2010/main" val="0"/>
+              </a:ext>
+            </a:extLst>
+          </a:blip>
+          <a:srcRect/>
+          <a:stretch>
+            <a:fillRect/>
+          </a:stretch>
+        </p:blipFill>
+        <p:spPr bwMode="auto">
+          <a:xfrm>
+            <a:off x="9428885" y="6036825"/>
+            <a:ext cx="2458315" cy="703319"/>
+          </a:xfrm>
+          <a:prstGeom prst="rect">
+            <a:avLst/>
+          </a:prstGeom>
+          <a:noFill/>
+          <a:extLst>
+            <a:ext uri="{909E8E84-426E-40DD-AFC4-6F175D3DCCD1}">
+              <a14:hiddenFill xmlns:a14="http://schemas.microsoft.com/office/drawing/2010/main">
+                <a:solidFill>
+                  <a:srgbClr val="FFFFFF"/>
+                </a:solidFill>
+              </a14:hiddenFill>
+            </a:ext>
+          </a:extLst>
+        </p:spPr>
+      </p:pic>
+    </p:spTree>
+    <p:extLst>
+      <p:ext uri="{BB962C8B-B14F-4D97-AF65-F5344CB8AC3E}">
+        <p14:creationId xmlns:p14="http://schemas.microsoft.com/office/powerpoint/2010/main" val="2636223436"/>
+      </p:ext>
+    </p:extLst>
+  </p:cSld>
+  <p:clrMapOvr>
+    <a:masterClrMapping/>
+  </p:clrMapOvr>
+  <p:timing>
+    <p:tnLst>
+      <p:par>
+        <p:cTn id="1" dur="indefinite" restart="never" nodeType="tmRoot"/>
+      </p:par>
+    </p:tnLst>
+  </p:timing>
 </p:sld>
 </file>
 
@@ -3456,127 +3660,123 @@
           <p:cNvPr id="2" name="Title 1">
             <a:extLst>
               <a:ext uri="{FF2B5EF4-FFF2-40B4-BE49-F238E27FC236}">
-                <a16:creationId xmlns:a16="http://schemas.microsoft.com/office/drawing/2014/main" id="{0A4123EB-7BC5-4F42-82D2-CCC6E2B1C42B}"/>
-              </a:ext>
-            </a:extLst>
-          </p:cNvPr>
-          <p:cNvSpPr>
-            <a:spLocks noGrp="1"/>
-          </p:cNvSpPr>
-          <p:nvPr>
-            <p:ph type="title"/>
-          </p:nvPr>
-        </p:nvSpPr>
-        <p:spPr/>
-        <p:txBody>
-          <a:bodyPr/>
-          <a:lstStyle/>
-          <a:p>
-            <a:r>
-              <a:rPr lang="en-US" dirty="0"/>
-              <a:t>Who are we ? </a:t>
-            </a:r>
-          </a:p>
-        </p:txBody>
-      </p:sp>
-      <p:sp>
-        <p:nvSpPr>
-          <p:cNvPr id="3" name="Content Placeholder 2">
-            <a:extLst>
-              <a:ext uri="{FF2B5EF4-FFF2-40B4-BE49-F238E27FC236}">
-                <a16:creationId xmlns:a16="http://schemas.microsoft.com/office/drawing/2014/main" id="{CF96BCBD-1C64-6E43-BBEC-5E9BE112A120}"/>
-              </a:ext>
-            </a:extLst>
-          </p:cNvPr>
-          <p:cNvSpPr>
-            <a:spLocks noGrp="1"/>
-          </p:cNvSpPr>
-          <p:nvPr>
-            <p:ph idx="1"/>
-          </p:nvPr>
-        </p:nvSpPr>
-        <p:spPr/>
-        <p:txBody>
-          <a:bodyPr/>
-          <a:lstStyle/>
-          <a:p>
-            <a:pPr marL="0" indent="0">
-              <a:buNone/>
-            </a:pPr>
+                <a16:creationId xmlns:a16="http://schemas.microsoft.com/office/drawing/2014/main" id="{8622C513-CA67-8840-89C4-0C621DB3695B}"/>
+              </a:ext>
+            </a:extLst>
+          </p:cNvPr>
+          <p:cNvSpPr>
+            <a:spLocks noGrp="1"/>
+          </p:cNvSpPr>
+          <p:nvPr>
+            <p:ph type="ctrTitle"/>
+          </p:nvPr>
+        </p:nvSpPr>
+        <p:spPr>
+          <a:xfrm>
+            <a:off x="1452880" y="4084320"/>
+            <a:ext cx="9144000" cy="1194118"/>
+          </a:xfrm>
+        </p:spPr>
+        <p:txBody>
+          <a:bodyPr/>
+          <a:lstStyle/>
+          <a:p>
             <a:r>
               <a:rPr lang="en-US" dirty="0" smtClean="0"/>
-              <a:t>Tom Van Cauwenberghe</a:t>
-            </a:r>
-          </a:p>
-          <a:p>
-            <a:pPr marL="0" indent="0">
-              <a:buNone/>
-            </a:pPr>
-            <a:r>
-              <a:rPr lang="en-US" dirty="0" smtClean="0"/>
-              <a:t>Tom Janssens</a:t>
-            </a:r>
-          </a:p>
-          <a:p>
-            <a:pPr marL="0" indent="0">
-              <a:buNone/>
-            </a:pPr>
-            <a:r>
-              <a:rPr lang="en-US" dirty="0" smtClean="0"/>
-              <a:t>Glenn Van Weyenberg</a:t>
-            </a:r>
-          </a:p>
-          <a:p>
-            <a:pPr marL="0" indent="0">
-              <a:buNone/>
-            </a:pPr>
-            <a:r>
-              <a:rPr lang="en-US" dirty="0" smtClean="0"/>
-              <a:t>Tim Pauwels</a:t>
-            </a:r>
+              <a:t>The future is now!!</a:t>
+            </a:r>
+            <a:endParaRPr lang="en-US" dirty="0"/>
+          </a:p>
+        </p:txBody>
+      </p:sp>
+      <p:sp>
+        <p:nvSpPr>
+          <p:cNvPr id="3" name="Subtitle 2">
+            <a:extLst>
+              <a:ext uri="{FF2B5EF4-FFF2-40B4-BE49-F238E27FC236}">
+                <a16:creationId xmlns:a16="http://schemas.microsoft.com/office/drawing/2014/main" id="{E4EE52AA-DC72-BA48-9820-C01429DD50C7}"/>
+              </a:ext>
+            </a:extLst>
+          </p:cNvPr>
+          <p:cNvSpPr>
+            <a:spLocks noGrp="1"/>
+          </p:cNvSpPr>
+          <p:nvPr>
+            <p:ph type="subTitle" idx="1"/>
+          </p:nvPr>
+        </p:nvSpPr>
+        <p:spPr>
+          <a:xfrm>
+            <a:off x="1524000" y="3602038"/>
+            <a:ext cx="4830389" cy="698676"/>
+          </a:xfrm>
+        </p:spPr>
+        <p:txBody>
+          <a:bodyPr/>
+          <a:lstStyle/>
+          <a:p>
+            <a:endParaRPr lang="en-US" dirty="0"/>
           </a:p>
         </p:txBody>
       </p:sp>
       <p:pic>
         <p:nvPicPr>
-          <p:cNvPr id="4" name="Picture 3">
-            <a:extLst>
-              <a:ext uri="{FF2B5EF4-FFF2-40B4-BE49-F238E27FC236}">
-                <a16:creationId xmlns:a16="http://schemas.microsoft.com/office/drawing/2014/main" id="{55BBD5B0-98CE-EB4F-8D33-FC457462360F}"/>
-              </a:ext>
-            </a:extLst>
-          </p:cNvPr>
+          <p:cNvPr id="1026" name="Picture 2" descr="logo"/>
           <p:cNvPicPr>
-            <a:picLocks noChangeAspect="1"/>
+            <a:picLocks noChangeAspect="1" noChangeArrowheads="1"/>
           </p:cNvPicPr>
           <p:nvPr/>
         </p:nvPicPr>
         <p:blipFill>
-          <a:blip r:embed="rId2"/>
+          <a:blip r:embed="rId2">
+            <a:extLst>
+              <a:ext uri="{28A0092B-C50C-407E-A947-70E740481C1C}">
+                <a14:useLocalDpi xmlns:a14="http://schemas.microsoft.com/office/drawing/2010/main" val="0"/>
+              </a:ext>
+            </a:extLst>
+          </a:blip>
+          <a:srcRect/>
           <a:stretch>
             <a:fillRect/>
           </a:stretch>
         </p:blipFill>
-        <p:spPr>
+        <p:spPr bwMode="auto">
           <a:xfrm>
-            <a:off x="10244690" y="5517579"/>
-            <a:ext cx="1689100" cy="1206500"/>
+            <a:off x="808587" y="1207131"/>
+            <a:ext cx="10813016" cy="3093583"/>
           </a:xfrm>
           <a:prstGeom prst="rect">
             <a:avLst/>
           </a:prstGeom>
+          <a:noFill/>
+          <a:extLst>
+            <a:ext uri="{909E8E84-426E-40DD-AFC4-6F175D3DCCD1}">
+              <a14:hiddenFill xmlns:a14="http://schemas.microsoft.com/office/drawing/2010/main">
+                <a:solidFill>
+                  <a:srgbClr val="FFFFFF"/>
+                </a:solidFill>
+              </a14:hiddenFill>
+            </a:ext>
+          </a:extLst>
         </p:spPr>
       </p:pic>
     </p:spTree>
     <p:extLst>
       <p:ext uri="{BB962C8B-B14F-4D97-AF65-F5344CB8AC3E}">
-        <p14:creationId xmlns:p14="http://schemas.microsoft.com/office/powerpoint/2010/main" val="509040741"/>
+        <p14:creationId xmlns:p14="http://schemas.microsoft.com/office/powerpoint/2010/main" val="4130018517"/>
       </p:ext>
     </p:extLst>
   </p:cSld>
   <p:clrMapOvr>
     <a:masterClrMapping/>
   </p:clrMapOvr>
+  <p:timing>
+    <p:tnLst>
+      <p:par>
+        <p:cTn id="1" dur="indefinite" restart="never" nodeType="tmRoot"/>
+      </p:par>
+    </p:tnLst>
+  </p:timing>
 </p:sld>
 </file>
 
@@ -3602,7 +3802,7 @@
           <p:cNvPr id="2" name="Title 1">
             <a:extLst>
               <a:ext uri="{FF2B5EF4-FFF2-40B4-BE49-F238E27FC236}">
-                <a16:creationId xmlns:a16="http://schemas.microsoft.com/office/drawing/2014/main" id="{523286E4-0333-EA44-85AA-61D3EFDBF701}"/>
+                <a16:creationId xmlns:a16="http://schemas.microsoft.com/office/drawing/2014/main" id="{0A4123EB-7BC5-4F42-82D2-CCC6E2B1C42B}"/>
               </a:ext>
             </a:extLst>
           </p:cNvPr>
@@ -3620,43 +3820,175 @@
           <a:p>
             <a:r>
               <a:rPr lang="en-US" dirty="0"/>
-              <a:t>Why this project?</a:t>
+              <a:t>Who are we ? </a:t>
+            </a:r>
+          </a:p>
+        </p:txBody>
+      </p:sp>
+      <p:sp>
+        <p:nvSpPr>
+          <p:cNvPr id="3" name="Content Placeholder 2">
+            <a:extLst>
+              <a:ext uri="{FF2B5EF4-FFF2-40B4-BE49-F238E27FC236}">
+                <a16:creationId xmlns:a16="http://schemas.microsoft.com/office/drawing/2014/main" id="{CF96BCBD-1C64-6E43-BBEC-5E9BE112A120}"/>
+              </a:ext>
+            </a:extLst>
+          </p:cNvPr>
+          <p:cNvSpPr>
+            <a:spLocks noGrp="1"/>
+          </p:cNvSpPr>
+          <p:nvPr>
+            <p:ph idx="1"/>
+          </p:nvPr>
+        </p:nvSpPr>
+        <p:spPr/>
+        <p:txBody>
+          <a:bodyPr/>
+          <a:lstStyle/>
+          <a:p>
+            <a:pPr marL="0" indent="0">
+              <a:buNone/>
+            </a:pPr>
+            <a:r>
+              <a:rPr lang="en-US" dirty="0" smtClean="0"/>
+              <a:t>Tom Van Cauwenberghe</a:t>
+            </a:r>
+          </a:p>
+          <a:p>
+            <a:pPr marL="0" indent="0">
+              <a:buNone/>
+            </a:pPr>
+            <a:r>
+              <a:rPr lang="en-US" dirty="0" smtClean="0"/>
+              <a:t>Tom Janssens</a:t>
+            </a:r>
+          </a:p>
+          <a:p>
+            <a:pPr marL="0" indent="0">
+              <a:buNone/>
+            </a:pPr>
+            <a:r>
+              <a:rPr lang="en-US" dirty="0" smtClean="0"/>
+              <a:t>Glenn Van Weyenberg</a:t>
+            </a:r>
+          </a:p>
+          <a:p>
+            <a:pPr marL="0" indent="0">
+              <a:buNone/>
+            </a:pPr>
+            <a:r>
+              <a:rPr lang="en-US" dirty="0" smtClean="0"/>
+              <a:t>Tim Pauwels</a:t>
             </a:r>
           </a:p>
         </p:txBody>
       </p:sp>
       <p:pic>
         <p:nvPicPr>
-          <p:cNvPr id="4" name="Content Placeholder 3">
-            <a:extLst>
-              <a:ext uri="{FF2B5EF4-FFF2-40B4-BE49-F238E27FC236}">
-                <a16:creationId xmlns:a16="http://schemas.microsoft.com/office/drawing/2014/main" id="{8C46D87A-359A-6D4D-AE9D-EA9D8FD862AF}"/>
-              </a:ext>
-            </a:extLst>
-          </p:cNvPr>
+          <p:cNvPr id="5" name="Picture 2" descr="logo"/>
           <p:cNvPicPr>
-            <a:picLocks noGrp="1" noChangeAspect="1"/>
+            <a:picLocks noChangeAspect="1" noChangeArrowheads="1"/>
           </p:cNvPicPr>
-          <p:nvPr>
-            <p:ph idx="1"/>
-          </p:nvPr>
+          <p:nvPr/>
         </p:nvPicPr>
         <p:blipFill>
-          <a:blip r:embed="rId2"/>
+          <a:blip r:embed="rId2">
+            <a:extLst>
+              <a:ext uri="{28A0092B-C50C-407E-A947-70E740481C1C}">
+                <a14:useLocalDpi xmlns:a14="http://schemas.microsoft.com/office/drawing/2010/main" val="0"/>
+              </a:ext>
+            </a:extLst>
+          </a:blip>
+          <a:srcRect/>
           <a:stretch>
             <a:fillRect/>
           </a:stretch>
         </p:blipFill>
-        <p:spPr>
+        <p:spPr bwMode="auto">
           <a:xfrm>
-            <a:off x="10247657" y="5519075"/>
-            <a:ext cx="1689100" cy="1206500"/>
+            <a:off x="9428885" y="6036825"/>
+            <a:ext cx="2458315" cy="703319"/>
           </a:xfrm>
           <a:prstGeom prst="rect">
             <a:avLst/>
           </a:prstGeom>
+          <a:noFill/>
+          <a:extLst>
+            <a:ext uri="{909E8E84-426E-40DD-AFC4-6F175D3DCCD1}">
+              <a14:hiddenFill xmlns:a14="http://schemas.microsoft.com/office/drawing/2010/main">
+                <a:solidFill>
+                  <a:srgbClr val="FFFFFF"/>
+                </a:solidFill>
+              </a14:hiddenFill>
+            </a:ext>
+          </a:extLst>
         </p:spPr>
       </p:pic>
+    </p:spTree>
+    <p:extLst>
+      <p:ext uri="{BB962C8B-B14F-4D97-AF65-F5344CB8AC3E}">
+        <p14:creationId xmlns:p14="http://schemas.microsoft.com/office/powerpoint/2010/main" val="509040741"/>
+      </p:ext>
+    </p:extLst>
+  </p:cSld>
+  <p:clrMapOvr>
+    <a:masterClrMapping/>
+  </p:clrMapOvr>
+  <p:timing>
+    <p:tnLst>
+      <p:par>
+        <p:cTn id="1" dur="indefinite" restart="never" nodeType="tmRoot"/>
+      </p:par>
+    </p:tnLst>
+  </p:timing>
+</p:sld>
+</file>
+
+<file path=ppt/slides/slide4.xml><?xml version="1.0" encoding="utf-8"?>
+<p:sld xmlns:a="http://schemas.openxmlformats.org/drawingml/2006/main" xmlns:r="http://schemas.openxmlformats.org/officeDocument/2006/relationships" xmlns:p="http://schemas.openxmlformats.org/presentationml/2006/main">
+  <p:cSld>
+    <p:spTree>
+      <p:nvGrpSpPr>
+        <p:cNvPr id="1" name=""/>
+        <p:cNvGrpSpPr/>
+        <p:nvPr/>
+      </p:nvGrpSpPr>
+      <p:grpSpPr>
+        <a:xfrm>
+          <a:off x="0" y="0"/>
+          <a:ext cx="0" cy="0"/>
+          <a:chOff x="0" y="0"/>
+          <a:chExt cx="0" cy="0"/>
+        </a:xfrm>
+      </p:grpSpPr>
+      <p:sp>
+        <p:nvSpPr>
+          <p:cNvPr id="2" name="Title 1">
+            <a:extLst>
+              <a:ext uri="{FF2B5EF4-FFF2-40B4-BE49-F238E27FC236}">
+                <a16:creationId xmlns:a16="http://schemas.microsoft.com/office/drawing/2014/main" id="{523286E4-0333-EA44-85AA-61D3EFDBF701}"/>
+              </a:ext>
+            </a:extLst>
+          </p:cNvPr>
+          <p:cNvSpPr>
+            <a:spLocks noGrp="1"/>
+          </p:cNvSpPr>
+          <p:nvPr>
+            <p:ph type="title"/>
+          </p:nvPr>
+        </p:nvSpPr>
+        <p:spPr/>
+        <p:txBody>
+          <a:bodyPr/>
+          <a:lstStyle/>
+          <a:p>
+            <a:r>
+              <a:rPr lang="en-US" dirty="0"/>
+              <a:t>Why this project?</a:t>
+            </a:r>
+          </a:p>
+        </p:txBody>
+      </p:sp>
       <p:sp>
         <p:nvSpPr>
           <p:cNvPr id="5" name="Content Placeholder 2">
@@ -3878,6 +4210,66 @@
           </a:p>
         </p:txBody>
       </p:sp>
+      <p:sp>
+        <p:nvSpPr>
+          <p:cNvPr id="3" name="Content Placeholder 2"/>
+          <p:cNvSpPr>
+            <a:spLocks noGrp="1"/>
+          </p:cNvSpPr>
+          <p:nvPr>
+            <p:ph idx="1"/>
+          </p:nvPr>
+        </p:nvSpPr>
+        <p:spPr/>
+        <p:txBody>
+          <a:bodyPr/>
+          <a:lstStyle/>
+          <a:p>
+            <a:endParaRPr lang="nl-BE"/>
+          </a:p>
+        </p:txBody>
+      </p:sp>
+      <p:pic>
+        <p:nvPicPr>
+          <p:cNvPr id="6" name="Picture 2" descr="logo"/>
+          <p:cNvPicPr>
+            <a:picLocks noChangeAspect="1" noChangeArrowheads="1"/>
+          </p:cNvPicPr>
+          <p:nvPr/>
+        </p:nvPicPr>
+        <p:blipFill>
+          <a:blip r:embed="rId2">
+            <a:extLst>
+              <a:ext uri="{28A0092B-C50C-407E-A947-70E740481C1C}">
+                <a14:useLocalDpi xmlns:a14="http://schemas.microsoft.com/office/drawing/2010/main" val="0"/>
+              </a:ext>
+            </a:extLst>
+          </a:blip>
+          <a:srcRect/>
+          <a:stretch>
+            <a:fillRect/>
+          </a:stretch>
+        </p:blipFill>
+        <p:spPr bwMode="auto">
+          <a:xfrm>
+            <a:off x="9428885" y="6036825"/>
+            <a:ext cx="2458315" cy="703319"/>
+          </a:xfrm>
+          <a:prstGeom prst="rect">
+            <a:avLst/>
+          </a:prstGeom>
+          <a:noFill/>
+          <a:extLst>
+            <a:ext uri="{909E8E84-426E-40DD-AFC4-6F175D3DCCD1}">
+              <a14:hiddenFill xmlns:a14="http://schemas.microsoft.com/office/drawing/2010/main">
+                <a:solidFill>
+                  <a:srgbClr val="FFFFFF"/>
+                </a:solidFill>
+              </a14:hiddenFill>
+            </a:ext>
+          </a:extLst>
+        </p:spPr>
+      </p:pic>
     </p:spTree>
     <p:extLst>
       <p:ext uri="{BB962C8B-B14F-4D97-AF65-F5344CB8AC3E}">
@@ -3888,142 +4280,13 @@
   <p:clrMapOvr>
     <a:masterClrMapping/>
   </p:clrMapOvr>
-</p:sld>
-</file>
-
-<file path=ppt/slides/slide4.xml><?xml version="1.0" encoding="utf-8"?>
-<p:sld xmlns:a="http://schemas.openxmlformats.org/drawingml/2006/main" xmlns:r="http://schemas.openxmlformats.org/officeDocument/2006/relationships" xmlns:p="http://schemas.openxmlformats.org/presentationml/2006/main">
-  <p:cSld>
-    <p:spTree>
-      <p:nvGrpSpPr>
-        <p:cNvPr id="1" name=""/>
-        <p:cNvGrpSpPr/>
-        <p:nvPr/>
-      </p:nvGrpSpPr>
-      <p:grpSpPr>
-        <a:xfrm>
-          <a:off x="0" y="0"/>
-          <a:ext cx="0" cy="0"/>
-          <a:chOff x="0" y="0"/>
-          <a:chExt cx="0" cy="0"/>
-        </a:xfrm>
-      </p:grpSpPr>
-      <p:sp>
-        <p:nvSpPr>
-          <p:cNvPr id="2" name="Title 1">
-            <a:extLst>
-              <a:ext uri="{FF2B5EF4-FFF2-40B4-BE49-F238E27FC236}">
-                <a16:creationId xmlns:a16="http://schemas.microsoft.com/office/drawing/2014/main" id="{05E470E6-0E0C-A84B-A5C8-8D4503BD05D7}"/>
-              </a:ext>
-            </a:extLst>
-          </p:cNvPr>
-          <p:cNvSpPr>
-            <a:spLocks noGrp="1"/>
-          </p:cNvSpPr>
-          <p:nvPr>
-            <p:ph type="title"/>
-          </p:nvPr>
-        </p:nvSpPr>
-        <p:spPr/>
-        <p:txBody>
-          <a:bodyPr/>
-          <a:lstStyle/>
-          <a:p>
-            <a:r>
-              <a:rPr lang="en-US" dirty="0"/>
-              <a:t>What did we plan to do?</a:t>
-            </a:r>
-          </a:p>
-        </p:txBody>
-      </p:sp>
-      <p:sp>
-        <p:nvSpPr>
-          <p:cNvPr id="3" name="Content Placeholder 2">
-            <a:extLst>
-              <a:ext uri="{FF2B5EF4-FFF2-40B4-BE49-F238E27FC236}">
-                <a16:creationId xmlns:a16="http://schemas.microsoft.com/office/drawing/2014/main" id="{8D99FB6F-5CEF-334D-9F7A-E9C243B51B78}"/>
-              </a:ext>
-            </a:extLst>
-          </p:cNvPr>
-          <p:cNvSpPr>
-            <a:spLocks noGrp="1"/>
-          </p:cNvSpPr>
-          <p:nvPr>
-            <p:ph idx="1"/>
-          </p:nvPr>
-        </p:nvSpPr>
-        <p:spPr/>
-        <p:txBody>
-          <a:bodyPr/>
-          <a:lstStyle/>
-          <a:p>
-            <a:pPr marL="0" indent="0">
-              <a:buNone/>
-            </a:pPr>
-            <a:r>
-              <a:rPr lang="en-US" dirty="0" smtClean="0"/>
-              <a:t>Create an infrastructure that allows for automatic fallback to cached responses. </a:t>
-            </a:r>
-            <a:endParaRPr lang="en-US" dirty="0"/>
-          </a:p>
-          <a:p>
-            <a:pPr marL="0" indent="0">
-              <a:buNone/>
-            </a:pPr>
-            <a:endParaRPr lang="en-US" dirty="0" smtClean="0"/>
-          </a:p>
-          <a:p>
-            <a:pPr marL="0" indent="0">
-              <a:buNone/>
-            </a:pPr>
-            <a:r>
-              <a:rPr lang="en-US" dirty="0" smtClean="0"/>
-              <a:t>In the process we would use of several technologies we haven’t had a chance to explore in our current projects.</a:t>
-            </a:r>
-            <a:endParaRPr lang="en-US" dirty="0"/>
-          </a:p>
-        </p:txBody>
-      </p:sp>
-      <p:pic>
-        <p:nvPicPr>
-          <p:cNvPr id="4" name="Picture 3">
-            <a:extLst>
-              <a:ext uri="{FF2B5EF4-FFF2-40B4-BE49-F238E27FC236}">
-                <a16:creationId xmlns:a16="http://schemas.microsoft.com/office/drawing/2014/main" id="{C91184B1-9B55-7C49-B3FB-DAD4C2FF7CFC}"/>
-              </a:ext>
-            </a:extLst>
-          </p:cNvPr>
-          <p:cNvPicPr>
-            <a:picLocks noChangeAspect="1"/>
-          </p:cNvPicPr>
-          <p:nvPr/>
-        </p:nvPicPr>
-        <p:blipFill>
-          <a:blip r:embed="rId2"/>
-          <a:stretch>
-            <a:fillRect/>
-          </a:stretch>
-        </p:blipFill>
-        <p:spPr>
-          <a:xfrm>
-            <a:off x="10244690" y="5517579"/>
-            <a:ext cx="1689100" cy="1206500"/>
-          </a:xfrm>
-          <a:prstGeom prst="rect">
-            <a:avLst/>
-          </a:prstGeom>
-        </p:spPr>
-      </p:pic>
-    </p:spTree>
-    <p:extLst>
-      <p:ext uri="{BB962C8B-B14F-4D97-AF65-F5344CB8AC3E}">
-        <p14:creationId xmlns:p14="http://schemas.microsoft.com/office/powerpoint/2010/main" val="3083535671"/>
-      </p:ext>
-    </p:extLst>
-  </p:cSld>
-  <p:clrMapOvr>
-    <a:masterClrMapping/>
-  </p:clrMapOvr>
+  <p:timing>
+    <p:tnLst>
+      <p:par>
+        <p:cTn id="1" dur="indefinite" restart="never" nodeType="tmRoot"/>
+      </p:par>
+    </p:tnLst>
+  </p:timing>
 </p:sld>
 </file>
 
@@ -4049,7 +4312,7 @@
           <p:cNvPr id="2" name="Title 1">
             <a:extLst>
               <a:ext uri="{FF2B5EF4-FFF2-40B4-BE49-F238E27FC236}">
-                <a16:creationId xmlns:a16="http://schemas.microsoft.com/office/drawing/2014/main" id="{8EFC6134-A063-254F-B41F-D9CFDB716920}"/>
+                <a16:creationId xmlns:a16="http://schemas.microsoft.com/office/drawing/2014/main" id="{05E470E6-0E0C-A84B-A5C8-8D4503BD05D7}"/>
               </a:ext>
             </a:extLst>
           </p:cNvPr>
@@ -4067,7 +4330,7 @@
           <a:p>
             <a:r>
               <a:rPr lang="en-US" dirty="0"/>
-              <a:t>What have we achieved? </a:t>
+              <a:t>What did we plan to do?</a:t>
             </a:r>
           </a:p>
         </p:txBody>
@@ -4077,7 +4340,7 @@
           <p:cNvPr id="3" name="Content Placeholder 2">
             <a:extLst>
               <a:ext uri="{FF2B5EF4-FFF2-40B4-BE49-F238E27FC236}">
-                <a16:creationId xmlns:a16="http://schemas.microsoft.com/office/drawing/2014/main" id="{C47F1F18-F539-AC4A-9815-3CAF786798E3}"/>
+                <a16:creationId xmlns:a16="http://schemas.microsoft.com/office/drawing/2014/main" id="{8D99FB6F-5CEF-334D-9F7A-E9C243B51B78}"/>
               </a:ext>
             </a:extLst>
           </p:cNvPr>
@@ -4093,82 +4356,28 @@
           <a:bodyPr/>
           <a:lstStyle/>
           <a:p>
-            <a:pPr>
-              <a:buFontTx/>
-              <a:buChar char="-"/>
+            <a:pPr marL="0" indent="0">
+              <a:buNone/>
             </a:pPr>
             <a:r>
-              <a:rPr lang="en-US" dirty="0" err="1" smtClean="0"/>
-              <a:t>MediatR</a:t>
-            </a:r>
-            <a:r>
               <a:rPr lang="en-US" dirty="0" smtClean="0"/>
-              <a:t> requests are generically being cached in </a:t>
-            </a:r>
-            <a:r>
-              <a:rPr lang="en-US" dirty="0" err="1" smtClean="0"/>
-              <a:t>Redis</a:t>
-            </a:r>
+              <a:t>Create an infrastructure that allows for automatic fallback to cached responses. </a:t>
+            </a:r>
+            <a:endParaRPr lang="en-US" dirty="0"/>
+          </a:p>
+          <a:p>
+            <a:pPr marL="0" indent="0">
+              <a:buNone/>
+            </a:pPr>
             <a:endParaRPr lang="en-US" dirty="0" smtClean="0"/>
           </a:p>
           <a:p>
-            <a:pPr>
-              <a:buFontTx/>
-              <a:buChar char="-"/>
+            <a:pPr marL="0" indent="0">
+              <a:buNone/>
             </a:pPr>
             <a:r>
               <a:rPr lang="en-US" dirty="0" smtClean="0"/>
-              <a:t>Every type of request has a Polly fallback policy that returns results from a </a:t>
-            </a:r>
-            <a:r>
-              <a:rPr lang="en-US" dirty="0" err="1" smtClean="0"/>
-              <a:t>Redis</a:t>
-            </a:r>
-            <a:r>
-              <a:rPr lang="en-US" dirty="0" smtClean="0"/>
-              <a:t>-based caching store </a:t>
-            </a:r>
-            <a:r>
-              <a:rPr lang="en-US" dirty="0" smtClean="0"/>
-              <a:t>when the </a:t>
-            </a:r>
-            <a:r>
-              <a:rPr lang="en-US" dirty="0" smtClean="0"/>
-              <a:t>depende</a:t>
-            </a:r>
-            <a:r>
-              <a:rPr lang="en-US" dirty="0" smtClean="0"/>
-              <a:t>ncy fails. </a:t>
-            </a:r>
-          </a:p>
-          <a:p>
-            <a:pPr>
-              <a:buFontTx/>
-              <a:buChar char="-"/>
-            </a:pPr>
-            <a:r>
-              <a:rPr lang="en-US" dirty="0" smtClean="0"/>
-              <a:t>The Polly policy is set to break the circuit after a number of failures, to speed up response times when a dependency is unavailable.</a:t>
-            </a:r>
-          </a:p>
-          <a:p>
-            <a:pPr>
-              <a:buFontTx/>
-              <a:buChar char="-"/>
-            </a:pPr>
-            <a:r>
-              <a:rPr lang="en-US" dirty="0" smtClean="0"/>
-              <a:t>We have a dashboard to monitor the state of the circuit breaker.</a:t>
-            </a:r>
-          </a:p>
-          <a:p>
-            <a:pPr>
-              <a:buFontTx/>
-              <a:buChar char="-"/>
-            </a:pPr>
-            <a:r>
-              <a:rPr lang="en-US" dirty="0" smtClean="0"/>
-              <a:t>Tetris</a:t>
+              <a:t>In the process we would use of several technologies we haven’t had a chance to explore in our current projects.</a:t>
             </a:r>
             <a:endParaRPr lang="en-US" dirty="0"/>
           </a:p>
@@ -4176,44 +4385,62 @@
       </p:sp>
       <p:pic>
         <p:nvPicPr>
-          <p:cNvPr id="4" name="Picture 3">
-            <a:extLst>
-              <a:ext uri="{FF2B5EF4-FFF2-40B4-BE49-F238E27FC236}">
-                <a16:creationId xmlns:a16="http://schemas.microsoft.com/office/drawing/2014/main" id="{516F8129-41D1-C64B-88FF-E818957CE940}"/>
-              </a:ext>
-            </a:extLst>
-          </p:cNvPr>
+          <p:cNvPr id="5" name="Picture 2" descr="logo"/>
           <p:cNvPicPr>
-            <a:picLocks noChangeAspect="1"/>
+            <a:picLocks noChangeAspect="1" noChangeArrowheads="1"/>
           </p:cNvPicPr>
           <p:nvPr/>
         </p:nvPicPr>
         <p:blipFill>
-          <a:blip r:embed="rId2"/>
+          <a:blip r:embed="rId2">
+            <a:extLst>
+              <a:ext uri="{28A0092B-C50C-407E-A947-70E740481C1C}">
+                <a14:useLocalDpi xmlns:a14="http://schemas.microsoft.com/office/drawing/2010/main" val="0"/>
+              </a:ext>
+            </a:extLst>
+          </a:blip>
+          <a:srcRect/>
           <a:stretch>
             <a:fillRect/>
           </a:stretch>
         </p:blipFill>
-        <p:spPr>
+        <p:spPr bwMode="auto">
           <a:xfrm>
-            <a:off x="10244690" y="5517579"/>
-            <a:ext cx="1689100" cy="1206500"/>
+            <a:off x="9428885" y="6036825"/>
+            <a:ext cx="2458315" cy="703319"/>
           </a:xfrm>
           <a:prstGeom prst="rect">
             <a:avLst/>
           </a:prstGeom>
+          <a:noFill/>
+          <a:extLst>
+            <a:ext uri="{909E8E84-426E-40DD-AFC4-6F175D3DCCD1}">
+              <a14:hiddenFill xmlns:a14="http://schemas.microsoft.com/office/drawing/2010/main">
+                <a:solidFill>
+                  <a:srgbClr val="FFFFFF"/>
+                </a:solidFill>
+              </a14:hiddenFill>
+            </a:ext>
+          </a:extLst>
         </p:spPr>
       </p:pic>
     </p:spTree>
     <p:extLst>
       <p:ext uri="{BB962C8B-B14F-4D97-AF65-F5344CB8AC3E}">
-        <p14:creationId xmlns:p14="http://schemas.microsoft.com/office/powerpoint/2010/main" val="3211849475"/>
+        <p14:creationId xmlns:p14="http://schemas.microsoft.com/office/powerpoint/2010/main" val="3083535671"/>
       </p:ext>
     </p:extLst>
   </p:cSld>
   <p:clrMapOvr>
     <a:masterClrMapping/>
   </p:clrMapOvr>
+  <p:timing>
+    <p:tnLst>
+      <p:par>
+        <p:cTn id="1" dur="indefinite" restart="never" nodeType="tmRoot"/>
+      </p:par>
+    </p:tnLst>
+  </p:timing>
 </p:sld>
 </file>
 
@@ -4239,7 +4466,7 @@
           <p:cNvPr id="2" name="Title 1">
             <a:extLst>
               <a:ext uri="{FF2B5EF4-FFF2-40B4-BE49-F238E27FC236}">
-                <a16:creationId xmlns:a16="http://schemas.microsoft.com/office/drawing/2014/main" id="{166CADE4-1356-DF44-80EC-4CE1D29C828E}"/>
+                <a16:creationId xmlns:a16="http://schemas.microsoft.com/office/drawing/2014/main" id="{8EFC6134-A063-254F-B41F-D9CFDB716920}"/>
               </a:ext>
             </a:extLst>
           </p:cNvPr>
@@ -4257,7 +4484,7 @@
           <a:p>
             <a:r>
               <a:rPr lang="en-US" dirty="0"/>
-              <a:t>What went great?</a:t>
+              <a:t>What have we achieved? </a:t>
             </a:r>
           </a:p>
         </p:txBody>
@@ -4267,7 +4494,7 @@
           <p:cNvPr id="3" name="Content Placeholder 2">
             <a:extLst>
               <a:ext uri="{FF2B5EF4-FFF2-40B4-BE49-F238E27FC236}">
-                <a16:creationId xmlns:a16="http://schemas.microsoft.com/office/drawing/2014/main" id="{D200E694-C874-AC46-BD00-B1B0CA918DB9}"/>
+                <a16:creationId xmlns:a16="http://schemas.microsoft.com/office/drawing/2014/main" id="{C47F1F18-F539-AC4A-9815-3CAF786798E3}"/>
               </a:ext>
             </a:extLst>
           </p:cNvPr>
@@ -4288,9 +4515,18 @@
               <a:buChar char="-"/>
             </a:pPr>
             <a:r>
+              <a:rPr lang="en-US" dirty="0" err="1" smtClean="0"/>
+              <a:t>MediatR</a:t>
+            </a:r>
+            <a:r>
               <a:rPr lang="en-US" dirty="0" smtClean="0"/>
-              <a:t>We have a great logo.</a:t>
-            </a:r>
+              <a:t> requests are generically being cached in </a:t>
+            </a:r>
+            <a:r>
+              <a:rPr lang="en-US" dirty="0" err="1" smtClean="0"/>
+              <a:t>Redis</a:t>
+            </a:r>
+            <a:endParaRPr lang="en-US" dirty="0" smtClean="0"/>
           </a:p>
           <a:p>
             <a:pPr>
@@ -4299,9 +4535,16 @@
             </a:pPr>
             <a:r>
               <a:rPr lang="en-US" dirty="0" smtClean="0"/>
-              <a:t>The team kick-off</a:t>
-            </a:r>
-            <a:endParaRPr lang="en-US" dirty="0" smtClean="0"/>
+              <a:t>Every type of request has a Polly fallback policy that returns results from a </a:t>
+            </a:r>
+            <a:r>
+              <a:rPr lang="en-US" dirty="0" err="1" smtClean="0"/>
+              <a:t>Redis</a:t>
+            </a:r>
+            <a:r>
+              <a:rPr lang="en-US" dirty="0" smtClean="0"/>
+              <a:t>-based caching store when the dependency fails. </a:t>
+            </a:r>
           </a:p>
           <a:p>
             <a:pPr>
@@ -4310,7 +4553,7 @@
             </a:pPr>
             <a:r>
               <a:rPr lang="en-US" dirty="0" smtClean="0"/>
-              <a:t>Using Polly.</a:t>
+              <a:t>The Polly policy is set to break the circuit after a number of failures, to speed up response times when a dependency is unavailable.</a:t>
             </a:r>
           </a:p>
           <a:p>
@@ -4319,12 +4562,8 @@
               <a:buChar char="-"/>
             </a:pPr>
             <a:r>
-              <a:rPr lang="en-US" dirty="0" err="1" smtClean="0"/>
-              <a:t>MediatR</a:t>
-            </a:r>
-            <a:r>
               <a:rPr lang="en-US" dirty="0" smtClean="0"/>
-              <a:t> + Polly to create a caching decorator.</a:t>
+              <a:t>We have a dashboard to monitor the state of the circuit breaker.</a:t>
             </a:r>
           </a:p>
           <a:p>
@@ -4333,74 +4572,71 @@
               <a:buChar char="-"/>
             </a:pPr>
             <a:r>
-              <a:rPr lang="en-US" dirty="0" err="1" smtClean="0"/>
-              <a:t>SignalR</a:t>
-            </a:r>
-            <a:r>
               <a:rPr lang="en-US" dirty="0" smtClean="0"/>
-              <a:t> to create a real-time dashboard.</a:t>
-            </a:r>
-            <a:endParaRPr lang="en-US" dirty="0" smtClean="0"/>
-          </a:p>
-          <a:p>
-            <a:pPr>
-              <a:buFontTx/>
-              <a:buChar char="-"/>
-            </a:pPr>
-            <a:r>
-              <a:rPr lang="en-US" dirty="0" smtClean="0"/>
-              <a:t>Tetris.</a:t>
-            </a:r>
-            <a:endParaRPr lang="en-US" dirty="0" smtClean="0"/>
-          </a:p>
-          <a:p>
-            <a:pPr marL="0" indent="0">
-              <a:buNone/>
-            </a:pPr>
+              <a:t>Tetris</a:t>
+            </a:r>
             <a:endParaRPr lang="en-US" dirty="0"/>
           </a:p>
         </p:txBody>
       </p:sp>
       <p:pic>
         <p:nvPicPr>
-          <p:cNvPr id="4" name="Picture 3">
-            <a:extLst>
-              <a:ext uri="{FF2B5EF4-FFF2-40B4-BE49-F238E27FC236}">
-                <a16:creationId xmlns:a16="http://schemas.microsoft.com/office/drawing/2014/main" id="{AA2DACC3-854C-0F47-9D29-E93414E38E25}"/>
-              </a:ext>
-            </a:extLst>
-          </p:cNvPr>
+          <p:cNvPr id="5" name="Picture 2" descr="logo"/>
           <p:cNvPicPr>
-            <a:picLocks noChangeAspect="1"/>
+            <a:picLocks noChangeAspect="1" noChangeArrowheads="1"/>
           </p:cNvPicPr>
           <p:nvPr/>
         </p:nvPicPr>
         <p:blipFill>
-          <a:blip r:embed="rId2"/>
+          <a:blip r:embed="rId2">
+            <a:extLst>
+              <a:ext uri="{28A0092B-C50C-407E-A947-70E740481C1C}">
+                <a14:useLocalDpi xmlns:a14="http://schemas.microsoft.com/office/drawing/2010/main" val="0"/>
+              </a:ext>
+            </a:extLst>
+          </a:blip>
+          <a:srcRect/>
           <a:stretch>
             <a:fillRect/>
           </a:stretch>
         </p:blipFill>
-        <p:spPr>
+        <p:spPr bwMode="auto">
           <a:xfrm>
-            <a:off x="10244690" y="5517579"/>
-            <a:ext cx="1689100" cy="1206500"/>
+            <a:off x="9428885" y="6036825"/>
+            <a:ext cx="2458315" cy="703319"/>
           </a:xfrm>
           <a:prstGeom prst="rect">
             <a:avLst/>
           </a:prstGeom>
+          <a:noFill/>
+          <a:extLst>
+            <a:ext uri="{909E8E84-426E-40DD-AFC4-6F175D3DCCD1}">
+              <a14:hiddenFill xmlns:a14="http://schemas.microsoft.com/office/drawing/2010/main">
+                <a:solidFill>
+                  <a:srgbClr val="FFFFFF"/>
+                </a:solidFill>
+              </a14:hiddenFill>
+            </a:ext>
+          </a:extLst>
         </p:spPr>
       </p:pic>
     </p:spTree>
     <p:extLst>
       <p:ext uri="{BB962C8B-B14F-4D97-AF65-F5344CB8AC3E}">
-        <p14:creationId xmlns:p14="http://schemas.microsoft.com/office/powerpoint/2010/main" val="4071364519"/>
+        <p14:creationId xmlns:p14="http://schemas.microsoft.com/office/powerpoint/2010/main" val="3211849475"/>
       </p:ext>
     </p:extLst>
   </p:cSld>
   <p:clrMapOvr>
     <a:masterClrMapping/>
   </p:clrMapOvr>
+  <p:timing>
+    <p:tnLst>
+      <p:par>
+        <p:cTn id="1" dur="indefinite" restart="never" nodeType="tmRoot"/>
+      </p:par>
+    </p:tnLst>
+  </p:timing>
 </p:sld>
 </file>
 
@@ -4426,7 +4662,7 @@
           <p:cNvPr id="2" name="Title 1">
             <a:extLst>
               <a:ext uri="{FF2B5EF4-FFF2-40B4-BE49-F238E27FC236}">
-                <a16:creationId xmlns:a16="http://schemas.microsoft.com/office/drawing/2014/main" id="{845CEEEA-58C8-EB4E-BB1E-ACEBDCCD2888}"/>
+                <a16:creationId xmlns:a16="http://schemas.microsoft.com/office/drawing/2014/main" id="{166CADE4-1356-DF44-80EC-4CE1D29C828E}"/>
               </a:ext>
             </a:extLst>
           </p:cNvPr>
@@ -4444,7 +4680,7 @@
           <a:p>
             <a:r>
               <a:rPr lang="en-US" dirty="0"/>
-              <a:t>What went not so great?</a:t>
+              <a:t>What went great?</a:t>
             </a:r>
           </a:p>
         </p:txBody>
@@ -4454,7 +4690,7 @@
           <p:cNvPr id="3" name="Content Placeholder 2">
             <a:extLst>
               <a:ext uri="{FF2B5EF4-FFF2-40B4-BE49-F238E27FC236}">
-                <a16:creationId xmlns:a16="http://schemas.microsoft.com/office/drawing/2014/main" id="{29248553-F6B7-2F4D-9BDD-0537E4E249B5}"/>
+                <a16:creationId xmlns:a16="http://schemas.microsoft.com/office/drawing/2014/main" id="{D200E694-C874-AC46-BD00-B1B0CA918DB9}"/>
               </a:ext>
             </a:extLst>
           </p:cNvPr>
@@ -4476,15 +4712,7 @@
             </a:pPr>
             <a:r>
               <a:rPr lang="en-US" dirty="0" smtClean="0"/>
-              <a:t>Setting up an automatic app service deployment linked to </a:t>
-            </a:r>
-            <a:r>
-              <a:rPr lang="en-US" dirty="0" err="1" smtClean="0"/>
-              <a:t>github</a:t>
-            </a:r>
-            <a:r>
-              <a:rPr lang="en-US" dirty="0" smtClean="0"/>
-              <a:t>.</a:t>
+              <a:t>We have a great logo.</a:t>
             </a:r>
           </a:p>
           <a:p>
@@ -4494,17 +4722,8 @@
             </a:pPr>
             <a:r>
               <a:rPr lang="en-US" dirty="0" smtClean="0"/>
-              <a:t>Generics and </a:t>
-            </a:r>
-            <a:r>
-              <a:rPr lang="en-US" dirty="0" err="1" smtClean="0"/>
-              <a:t>PostSharp</a:t>
-            </a:r>
-            <a:r>
-              <a:rPr lang="en-US" dirty="0" smtClean="0"/>
-              <a:t> aspects don’t mix.</a:t>
-            </a:r>
-            <a:endParaRPr lang="en-US" dirty="0"/>
+              <a:t>The team kick-off</a:t>
+            </a:r>
           </a:p>
           <a:p>
             <a:pPr>
@@ -4513,51 +4732,113 @@
             </a:pPr>
             <a:r>
               <a:rPr lang="en-US" dirty="0" smtClean="0"/>
-              <a:t>Not all team members had the proper tools.</a:t>
-            </a:r>
+              <a:t>Using Polly.</a:t>
+            </a:r>
+          </a:p>
+          <a:p>
+            <a:pPr>
+              <a:buFontTx/>
+              <a:buChar char="-"/>
+            </a:pPr>
+            <a:r>
+              <a:rPr lang="en-US" dirty="0" err="1" smtClean="0"/>
+              <a:t>MediatR</a:t>
+            </a:r>
+            <a:r>
+              <a:rPr lang="en-US" dirty="0" smtClean="0"/>
+              <a:t> + Polly to create a caching decorator.</a:t>
+            </a:r>
+          </a:p>
+          <a:p>
+            <a:pPr>
+              <a:buFontTx/>
+              <a:buChar char="-"/>
+            </a:pPr>
+            <a:r>
+              <a:rPr lang="en-US" dirty="0" err="1" smtClean="0"/>
+              <a:t>SignalR</a:t>
+            </a:r>
+            <a:r>
+              <a:rPr lang="en-US" dirty="0" smtClean="0"/>
+              <a:t> to create a real-time dashboard.</a:t>
+            </a:r>
+          </a:p>
+          <a:p>
+            <a:pPr>
+              <a:buFontTx/>
+              <a:buChar char="-"/>
+            </a:pPr>
+            <a:r>
+              <a:rPr lang="en-US" dirty="0" smtClean="0"/>
+              <a:t>Tetris.</a:t>
+            </a:r>
+          </a:p>
+          <a:p>
+            <a:pPr marL="0" indent="0">
+              <a:buNone/>
+            </a:pPr>
+            <a:endParaRPr lang="en-US" dirty="0"/>
           </a:p>
         </p:txBody>
       </p:sp>
       <p:pic>
         <p:nvPicPr>
-          <p:cNvPr id="4" name="Picture 3">
-            <a:extLst>
-              <a:ext uri="{FF2B5EF4-FFF2-40B4-BE49-F238E27FC236}">
-                <a16:creationId xmlns:a16="http://schemas.microsoft.com/office/drawing/2014/main" id="{288F9C5D-3A32-7A4C-9A43-8788DE9EC03C}"/>
-              </a:ext>
-            </a:extLst>
-          </p:cNvPr>
+          <p:cNvPr id="5" name="Picture 2" descr="logo"/>
           <p:cNvPicPr>
-            <a:picLocks noChangeAspect="1"/>
+            <a:picLocks noChangeAspect="1" noChangeArrowheads="1"/>
           </p:cNvPicPr>
           <p:nvPr/>
         </p:nvPicPr>
         <p:blipFill>
-          <a:blip r:embed="rId2"/>
+          <a:blip r:embed="rId2">
+            <a:extLst>
+              <a:ext uri="{28A0092B-C50C-407E-A947-70E740481C1C}">
+                <a14:useLocalDpi xmlns:a14="http://schemas.microsoft.com/office/drawing/2010/main" val="0"/>
+              </a:ext>
+            </a:extLst>
+          </a:blip>
+          <a:srcRect/>
           <a:stretch>
             <a:fillRect/>
           </a:stretch>
         </p:blipFill>
-        <p:spPr>
+        <p:spPr bwMode="auto">
           <a:xfrm>
-            <a:off x="10244690" y="5517579"/>
-            <a:ext cx="1689100" cy="1206500"/>
+            <a:off x="9428885" y="6036825"/>
+            <a:ext cx="2458315" cy="703319"/>
           </a:xfrm>
           <a:prstGeom prst="rect">
             <a:avLst/>
           </a:prstGeom>
+          <a:noFill/>
+          <a:extLst>
+            <a:ext uri="{909E8E84-426E-40DD-AFC4-6F175D3DCCD1}">
+              <a14:hiddenFill xmlns:a14="http://schemas.microsoft.com/office/drawing/2010/main">
+                <a:solidFill>
+                  <a:srgbClr val="FFFFFF"/>
+                </a:solidFill>
+              </a14:hiddenFill>
+            </a:ext>
+          </a:extLst>
         </p:spPr>
       </p:pic>
     </p:spTree>
     <p:extLst>
       <p:ext uri="{BB962C8B-B14F-4D97-AF65-F5344CB8AC3E}">
-        <p14:creationId xmlns:p14="http://schemas.microsoft.com/office/powerpoint/2010/main" val="2829953331"/>
+        <p14:creationId xmlns:p14="http://schemas.microsoft.com/office/powerpoint/2010/main" val="4071364519"/>
       </p:ext>
     </p:extLst>
   </p:cSld>
   <p:clrMapOvr>
     <a:masterClrMapping/>
   </p:clrMapOvr>
+  <p:timing>
+    <p:tnLst>
+      <p:par>
+        <p:cTn id="1" dur="indefinite" restart="never" nodeType="tmRoot"/>
+      </p:par>
+    </p:tnLst>
+  </p:timing>
 </p:sld>
 </file>
 
@@ -4583,7 +4864,7 @@
           <p:cNvPr id="2" name="Title 1">
             <a:extLst>
               <a:ext uri="{FF2B5EF4-FFF2-40B4-BE49-F238E27FC236}">
-                <a16:creationId xmlns:a16="http://schemas.microsoft.com/office/drawing/2014/main" id="{B360B098-3B7B-BC42-BD97-0A9F2459EA2D}"/>
+                <a16:creationId xmlns:a16="http://schemas.microsoft.com/office/drawing/2014/main" id="{845CEEEA-58C8-EB4E-BB1E-ACEBDCCD2888}"/>
               </a:ext>
             </a:extLst>
           </p:cNvPr>
@@ -4601,15 +4882,7 @@
           <a:p>
             <a:r>
               <a:rPr lang="en-US" dirty="0"/>
-              <a:t>What did we learn that we can use @</a:t>
-            </a:r>
-            <a:r>
-              <a:rPr lang="en-US" dirty="0" err="1"/>
-              <a:t>Cegeka</a:t>
-            </a:r>
-            <a:r>
-              <a:rPr lang="en-US" dirty="0"/>
-              <a:t>?</a:t>
+              <a:t>What went not so great?</a:t>
             </a:r>
           </a:p>
         </p:txBody>
@@ -4619,7 +4892,7 @@
           <p:cNvPr id="3" name="Content Placeholder 2">
             <a:extLst>
               <a:ext uri="{FF2B5EF4-FFF2-40B4-BE49-F238E27FC236}">
-                <a16:creationId xmlns:a16="http://schemas.microsoft.com/office/drawing/2014/main" id="{5EF7D05B-6B9B-1248-B5D2-13BA95C18A7F}"/>
+                <a16:creationId xmlns:a16="http://schemas.microsoft.com/office/drawing/2014/main" id="{29248553-F6B7-2F4D-9BDD-0537E4E249B5}"/>
               </a:ext>
             </a:extLst>
           </p:cNvPr>
@@ -4641,15 +4914,15 @@
             </a:pPr>
             <a:r>
               <a:rPr lang="en-US" dirty="0" smtClean="0"/>
-              <a:t>Polly (+ </a:t>
+              <a:t>Setting up an automatic app service deployment linked to </a:t>
             </a:r>
             <a:r>
               <a:rPr lang="en-US" dirty="0" err="1" smtClean="0"/>
-              <a:t>MediatR</a:t>
+              <a:t>github</a:t>
             </a:r>
             <a:r>
               <a:rPr lang="en-US" dirty="0" smtClean="0"/>
-              <a:t>) to create more resilient applications</a:t>
+              <a:t>.</a:t>
             </a:r>
           </a:p>
           <a:p>
@@ -4659,8 +4932,17 @@
             </a:pPr>
             <a:r>
               <a:rPr lang="en-US" dirty="0" smtClean="0"/>
-              <a:t>Feature toggle as a service can give an easy way to have fine-grained control over who can use certain features and when.</a:t>
-            </a:r>
+              <a:t>Generics and </a:t>
+            </a:r>
+            <a:r>
+              <a:rPr lang="en-US" dirty="0" err="1" smtClean="0"/>
+              <a:t>PostSharp</a:t>
+            </a:r>
+            <a:r>
+              <a:rPr lang="en-US" dirty="0" smtClean="0"/>
+              <a:t> aspects don’t mix.</a:t>
+            </a:r>
+            <a:endParaRPr lang="en-US" dirty="0"/>
           </a:p>
           <a:p>
             <a:pPr>
@@ -4669,58 +4951,69 @@
             </a:pPr>
             <a:r>
               <a:rPr lang="en-US" dirty="0" smtClean="0"/>
-              <a:t>Logo design.</a:t>
-            </a:r>
-          </a:p>
-          <a:p>
-            <a:pPr>
-              <a:buFontTx/>
-              <a:buChar char="-"/>
-            </a:pPr>
-            <a:endParaRPr lang="en-US" dirty="0"/>
+              <a:t>Not all team members had the proper tools.</a:t>
+            </a:r>
           </a:p>
         </p:txBody>
       </p:sp>
       <p:pic>
         <p:nvPicPr>
-          <p:cNvPr id="4" name="Picture 3">
-            <a:extLst>
-              <a:ext uri="{FF2B5EF4-FFF2-40B4-BE49-F238E27FC236}">
-                <a16:creationId xmlns:a16="http://schemas.microsoft.com/office/drawing/2014/main" id="{B77EE197-174A-9C40-9A56-E425205E73C5}"/>
-              </a:ext>
-            </a:extLst>
-          </p:cNvPr>
+          <p:cNvPr id="5" name="Picture 2" descr="logo"/>
           <p:cNvPicPr>
-            <a:picLocks noChangeAspect="1"/>
+            <a:picLocks noChangeAspect="1" noChangeArrowheads="1"/>
           </p:cNvPicPr>
           <p:nvPr/>
         </p:nvPicPr>
         <p:blipFill>
-          <a:blip r:embed="rId2"/>
+          <a:blip r:embed="rId2">
+            <a:extLst>
+              <a:ext uri="{28A0092B-C50C-407E-A947-70E740481C1C}">
+                <a14:useLocalDpi xmlns:a14="http://schemas.microsoft.com/office/drawing/2010/main" val="0"/>
+              </a:ext>
+            </a:extLst>
+          </a:blip>
+          <a:srcRect/>
           <a:stretch>
             <a:fillRect/>
           </a:stretch>
         </p:blipFill>
-        <p:spPr>
+        <p:spPr bwMode="auto">
           <a:xfrm>
-            <a:off x="10244690" y="5517579"/>
-            <a:ext cx="1689100" cy="1206500"/>
+            <a:off x="9428885" y="6036825"/>
+            <a:ext cx="2458315" cy="703319"/>
           </a:xfrm>
           <a:prstGeom prst="rect">
             <a:avLst/>
           </a:prstGeom>
+          <a:noFill/>
+          <a:extLst>
+            <a:ext uri="{909E8E84-426E-40DD-AFC4-6F175D3DCCD1}">
+              <a14:hiddenFill xmlns:a14="http://schemas.microsoft.com/office/drawing/2010/main">
+                <a:solidFill>
+                  <a:srgbClr val="FFFFFF"/>
+                </a:solidFill>
+              </a14:hiddenFill>
+            </a:ext>
+          </a:extLst>
         </p:spPr>
       </p:pic>
     </p:spTree>
     <p:extLst>
       <p:ext uri="{BB962C8B-B14F-4D97-AF65-F5344CB8AC3E}">
-        <p14:creationId xmlns:p14="http://schemas.microsoft.com/office/powerpoint/2010/main" val="1874346443"/>
+        <p14:creationId xmlns:p14="http://schemas.microsoft.com/office/powerpoint/2010/main" val="2829953331"/>
       </p:ext>
     </p:extLst>
   </p:cSld>
   <p:clrMapOvr>
     <a:masterClrMapping/>
   </p:clrMapOvr>
+  <p:timing>
+    <p:tnLst>
+      <p:par>
+        <p:cTn id="1" dur="indefinite" restart="never" nodeType="tmRoot"/>
+      </p:par>
+    </p:tnLst>
+  </p:timing>
 </p:sld>
 </file>
 
@@ -4764,7 +5057,15 @@
           <a:p>
             <a:r>
               <a:rPr lang="en-US" dirty="0"/>
-              <a:t>What’s next?</a:t>
+              <a:t>What did we learn that we can use @</a:t>
+            </a:r>
+            <a:r>
+              <a:rPr lang="en-US" dirty="0" err="1"/>
+              <a:t>Cegeka</a:t>
+            </a:r>
+            <a:r>
+              <a:rPr lang="en-US" dirty="0"/>
+              <a:t>?</a:t>
             </a:r>
           </a:p>
         </p:txBody>
@@ -4796,7 +5097,7 @@
             </a:pPr>
             <a:r>
               <a:rPr lang="en-US" dirty="0" smtClean="0"/>
-              <a:t>Polly + </a:t>
+              <a:t>Polly (+ </a:t>
             </a:r>
             <a:r>
               <a:rPr lang="en-US" dirty="0" err="1" smtClean="0"/>
@@ -4804,7 +5105,7 @@
             </a:r>
             <a:r>
               <a:rPr lang="en-US" dirty="0" smtClean="0"/>
-              <a:t> to store and replay commands.</a:t>
+              <a:t>) to create more resilient applications</a:t>
             </a:r>
           </a:p>
           <a:p>
@@ -4814,7 +5115,7 @@
             </a:pPr>
             <a:r>
               <a:rPr lang="en-US" dirty="0" smtClean="0"/>
-              <a:t>Create a package to easily integrate this into other projects.</a:t>
+              <a:t>Feature toggle as a service can give an easy way to have fine-grained control over who can use certain features and when.</a:t>
             </a:r>
           </a:p>
           <a:p>
@@ -4824,59 +5125,76 @@
             </a:pPr>
             <a:r>
               <a:rPr lang="en-US" dirty="0" smtClean="0"/>
-              <a:t>Make an aspect that doesn’t depend on </a:t>
-            </a:r>
-            <a:r>
-              <a:rPr lang="en-US" dirty="0" err="1" smtClean="0"/>
-              <a:t>MediatR</a:t>
-            </a:r>
-            <a:r>
-              <a:rPr lang="en-US" dirty="0" smtClean="0"/>
-              <a:t>.</a:t>
-            </a:r>
+              <a:t>Logo design.</a:t>
+            </a:r>
+          </a:p>
+          <a:p>
+            <a:pPr>
+              <a:buFontTx/>
+              <a:buChar char="-"/>
+            </a:pPr>
+            <a:endParaRPr lang="en-US" dirty="0"/>
           </a:p>
         </p:txBody>
       </p:sp>
       <p:pic>
         <p:nvPicPr>
-          <p:cNvPr id="4" name="Picture 3">
-            <a:extLst>
-              <a:ext uri="{FF2B5EF4-FFF2-40B4-BE49-F238E27FC236}">
-                <a16:creationId xmlns:a16="http://schemas.microsoft.com/office/drawing/2014/main" id="{B77EE197-174A-9C40-9A56-E425205E73C5}"/>
-              </a:ext>
-            </a:extLst>
-          </p:cNvPr>
+          <p:cNvPr id="5" name="Picture 2" descr="logo"/>
           <p:cNvPicPr>
-            <a:picLocks noChangeAspect="1"/>
+            <a:picLocks noChangeAspect="1" noChangeArrowheads="1"/>
           </p:cNvPicPr>
           <p:nvPr/>
         </p:nvPicPr>
         <p:blipFill>
-          <a:blip r:embed="rId2"/>
+          <a:blip r:embed="rId2">
+            <a:extLst>
+              <a:ext uri="{28A0092B-C50C-407E-A947-70E740481C1C}">
+                <a14:useLocalDpi xmlns:a14="http://schemas.microsoft.com/office/drawing/2010/main" val="0"/>
+              </a:ext>
+            </a:extLst>
+          </a:blip>
+          <a:srcRect/>
           <a:stretch>
             <a:fillRect/>
           </a:stretch>
         </p:blipFill>
-        <p:spPr>
+        <p:spPr bwMode="auto">
           <a:xfrm>
-            <a:off x="10244690" y="5517579"/>
-            <a:ext cx="1689100" cy="1206500"/>
+            <a:off x="9428885" y="6036825"/>
+            <a:ext cx="2458315" cy="703319"/>
           </a:xfrm>
           <a:prstGeom prst="rect">
             <a:avLst/>
           </a:prstGeom>
+          <a:noFill/>
+          <a:extLst>
+            <a:ext uri="{909E8E84-426E-40DD-AFC4-6F175D3DCCD1}">
+              <a14:hiddenFill xmlns:a14="http://schemas.microsoft.com/office/drawing/2010/main">
+                <a:solidFill>
+                  <a:srgbClr val="FFFFFF"/>
+                </a:solidFill>
+              </a14:hiddenFill>
+            </a:ext>
+          </a:extLst>
         </p:spPr>
       </p:pic>
     </p:spTree>
     <p:extLst>
       <p:ext uri="{BB962C8B-B14F-4D97-AF65-F5344CB8AC3E}">
-        <p14:creationId xmlns:p14="http://schemas.microsoft.com/office/powerpoint/2010/main" val="2636223436"/>
+        <p14:creationId xmlns:p14="http://schemas.microsoft.com/office/powerpoint/2010/main" val="1874346443"/>
       </p:ext>
     </p:extLst>
   </p:cSld>
   <p:clrMapOvr>
     <a:masterClrMapping/>
   </p:clrMapOvr>
+  <p:timing>
+    <p:tnLst>
+      <p:par>
+        <p:cTn id="1" dur="indefinite" restart="never" nodeType="tmRoot"/>
+      </p:par>
+    </p:tnLst>
+  </p:timing>
 </p:sld>
 </file>
 
